--- a/ppt 16-9/0200.马槽圣婴.pptx
+++ b/ppt 16-9/0200.马槽圣婴.pptx
@@ -5,7 +5,7 @@
     <p:sldMasterId id="2147483648" r:id="rId1"/>
   </p:sldMasterIdLst>
   <p:sldIdLst>
-    <p:sldId id="2839" r:id="rId2"/>
+    <p:sldId id="2841" r:id="rId2"/>
   </p:sldIdLst>
   <p:sldSz cx="12192000" cy="6858000"/>
   <p:notesSz cx="6858000" cy="9144000"/>
@@ -129,7 +129,7 @@
           <p:cNvPr id="2" name="标题 1">
             <a:extLst>
               <a:ext uri="{FF2B5EF4-FFF2-40B4-BE49-F238E27FC236}">
-                <a16:creationId xmlns:a16="http://schemas.microsoft.com/office/drawing/2014/main" id="{42022E07-DBDE-5440-4BF3-B8E70208ECDA}"/>
+                <a16:creationId xmlns:a16="http://schemas.microsoft.com/office/drawing/2014/main" id="{69098718-3A07-B540-BBB2-A495A4677F97}"/>
               </a:ext>
             </a:extLst>
           </p:cNvPr>
@@ -166,7 +166,7 @@
           <p:cNvPr id="3" name="副标题 2">
             <a:extLst>
               <a:ext uri="{FF2B5EF4-FFF2-40B4-BE49-F238E27FC236}">
-                <a16:creationId xmlns:a16="http://schemas.microsoft.com/office/drawing/2014/main" id="{EEBD2869-AD58-78EA-14A3-F26DCBB40F6C}"/>
+                <a16:creationId xmlns:a16="http://schemas.microsoft.com/office/drawing/2014/main" id="{31AFD0D5-8ED5-2453-91CC-B72DB0D4C465}"/>
               </a:ext>
             </a:extLst>
           </p:cNvPr>
@@ -236,7 +236,7 @@
           <p:cNvPr id="4" name="日期占位符 3">
             <a:extLst>
               <a:ext uri="{FF2B5EF4-FFF2-40B4-BE49-F238E27FC236}">
-                <a16:creationId xmlns:a16="http://schemas.microsoft.com/office/drawing/2014/main" id="{8C987C29-348D-8923-8EE1-9EBD256FE083}"/>
+                <a16:creationId xmlns:a16="http://schemas.microsoft.com/office/drawing/2014/main" id="{D7C78406-F971-56D4-A8D9-D84DE91B1161}"/>
               </a:ext>
             </a:extLst>
           </p:cNvPr>
@@ -252,7 +252,7 @@
           <a:bodyPr/>
           <a:lstStyle/>
           <a:p>
-            <a:fld id="{FCBDBE33-4A75-464F-9675-75571D7EE6B8}" type="datetimeFigureOut">
+            <a:fld id="{434166A1-5D48-459F-AF89-79776C4AE821}" type="datetimeFigureOut">
               <a:rPr lang="zh-CN" altLang="en-US" smtClean="0"/>
               <a:t>2024/3/10</a:t>
             </a:fld>
@@ -265,7 +265,7 @@
           <p:cNvPr id="5" name="页脚占位符 4">
             <a:extLst>
               <a:ext uri="{FF2B5EF4-FFF2-40B4-BE49-F238E27FC236}">
-                <a16:creationId xmlns:a16="http://schemas.microsoft.com/office/drawing/2014/main" id="{1E7D969E-2815-2909-DD8A-EED8FA2409AB}"/>
+                <a16:creationId xmlns:a16="http://schemas.microsoft.com/office/drawing/2014/main" id="{2632C11D-D587-B918-21DE-479523CAFF00}"/>
               </a:ext>
             </a:extLst>
           </p:cNvPr>
@@ -290,7 +290,7 @@
           <p:cNvPr id="6" name="灯片编号占位符 5">
             <a:extLst>
               <a:ext uri="{FF2B5EF4-FFF2-40B4-BE49-F238E27FC236}">
-                <a16:creationId xmlns:a16="http://schemas.microsoft.com/office/drawing/2014/main" id="{31B41FC4-A5F9-AC5B-CD91-5CB281CA0A59}"/>
+                <a16:creationId xmlns:a16="http://schemas.microsoft.com/office/drawing/2014/main" id="{31AD7014-11DB-55F2-1B51-90833791415A}"/>
               </a:ext>
             </a:extLst>
           </p:cNvPr>
@@ -306,7 +306,7 @@
           <a:bodyPr/>
           <a:lstStyle/>
           <a:p>
-            <a:fld id="{99AC75F2-E6C3-4264-B370-EC04755C7C81}" type="slidenum">
+            <a:fld id="{3C928F56-52F0-41D3-BD30-CCF58305E25D}" type="slidenum">
               <a:rPr lang="zh-CN" altLang="en-US" smtClean="0"/>
               <a:t>‹#›</a:t>
             </a:fld>
@@ -317,7 +317,7 @@
     </p:spTree>
     <p:extLst>
       <p:ext uri="{BB962C8B-B14F-4D97-AF65-F5344CB8AC3E}">
-        <p14:creationId xmlns:p14="http://schemas.microsoft.com/office/powerpoint/2010/main" val="1531864132"/>
+        <p14:creationId xmlns:p14="http://schemas.microsoft.com/office/powerpoint/2010/main" val="3674101477"/>
       </p:ext>
     </p:extLst>
   </p:cSld>
@@ -349,7 +349,7 @@
           <p:cNvPr id="2" name="标题 1">
             <a:extLst>
               <a:ext uri="{FF2B5EF4-FFF2-40B4-BE49-F238E27FC236}">
-                <a16:creationId xmlns:a16="http://schemas.microsoft.com/office/drawing/2014/main" id="{3A746C82-D941-A587-04EE-D58479908377}"/>
+                <a16:creationId xmlns:a16="http://schemas.microsoft.com/office/drawing/2014/main" id="{C03E9A26-97FF-568D-DF97-3B485BABCB49}"/>
               </a:ext>
             </a:extLst>
           </p:cNvPr>
@@ -377,7 +377,7 @@
           <p:cNvPr id="3" name="竖排文字占位符 2">
             <a:extLst>
               <a:ext uri="{FF2B5EF4-FFF2-40B4-BE49-F238E27FC236}">
-                <a16:creationId xmlns:a16="http://schemas.microsoft.com/office/drawing/2014/main" id="{D409A2ED-0B03-A928-9814-3A263CFC153D}"/>
+                <a16:creationId xmlns:a16="http://schemas.microsoft.com/office/drawing/2014/main" id="{BDA566AD-CF23-72F7-1A36-BAFA7F59BA5A}"/>
               </a:ext>
             </a:extLst>
           </p:cNvPr>
@@ -434,7 +434,7 @@
           <p:cNvPr id="4" name="日期占位符 3">
             <a:extLst>
               <a:ext uri="{FF2B5EF4-FFF2-40B4-BE49-F238E27FC236}">
-                <a16:creationId xmlns:a16="http://schemas.microsoft.com/office/drawing/2014/main" id="{02B591F8-9236-0365-F72D-3D86CBF8C9B7}"/>
+                <a16:creationId xmlns:a16="http://schemas.microsoft.com/office/drawing/2014/main" id="{DF31735A-A028-A529-B3B8-DAC2E50E5AE7}"/>
               </a:ext>
             </a:extLst>
           </p:cNvPr>
@@ -450,7 +450,7 @@
           <a:bodyPr/>
           <a:lstStyle/>
           <a:p>
-            <a:fld id="{FCBDBE33-4A75-464F-9675-75571D7EE6B8}" type="datetimeFigureOut">
+            <a:fld id="{434166A1-5D48-459F-AF89-79776C4AE821}" type="datetimeFigureOut">
               <a:rPr lang="zh-CN" altLang="en-US" smtClean="0"/>
               <a:t>2024/3/10</a:t>
             </a:fld>
@@ -463,7 +463,7 @@
           <p:cNvPr id="5" name="页脚占位符 4">
             <a:extLst>
               <a:ext uri="{FF2B5EF4-FFF2-40B4-BE49-F238E27FC236}">
-                <a16:creationId xmlns:a16="http://schemas.microsoft.com/office/drawing/2014/main" id="{53016B87-D203-4B1D-63C4-DC3446C5F569}"/>
+                <a16:creationId xmlns:a16="http://schemas.microsoft.com/office/drawing/2014/main" id="{5350662A-BFEE-860F-B63E-9FF65ABF1570}"/>
               </a:ext>
             </a:extLst>
           </p:cNvPr>
@@ -488,7 +488,7 @@
           <p:cNvPr id="6" name="灯片编号占位符 5">
             <a:extLst>
               <a:ext uri="{FF2B5EF4-FFF2-40B4-BE49-F238E27FC236}">
-                <a16:creationId xmlns:a16="http://schemas.microsoft.com/office/drawing/2014/main" id="{94084235-ABCE-1984-715A-5B5B64532876}"/>
+                <a16:creationId xmlns:a16="http://schemas.microsoft.com/office/drawing/2014/main" id="{1301F617-7324-F8A6-4220-6613C1346663}"/>
               </a:ext>
             </a:extLst>
           </p:cNvPr>
@@ -504,7 +504,7 @@
           <a:bodyPr/>
           <a:lstStyle/>
           <a:p>
-            <a:fld id="{99AC75F2-E6C3-4264-B370-EC04755C7C81}" type="slidenum">
+            <a:fld id="{3C928F56-52F0-41D3-BD30-CCF58305E25D}" type="slidenum">
               <a:rPr lang="zh-CN" altLang="en-US" smtClean="0"/>
               <a:t>‹#›</a:t>
             </a:fld>
@@ -515,7 +515,7 @@
     </p:spTree>
     <p:extLst>
       <p:ext uri="{BB962C8B-B14F-4D97-AF65-F5344CB8AC3E}">
-        <p14:creationId xmlns:p14="http://schemas.microsoft.com/office/powerpoint/2010/main" val="1078823139"/>
+        <p14:creationId xmlns:p14="http://schemas.microsoft.com/office/powerpoint/2010/main" val="3862806133"/>
       </p:ext>
     </p:extLst>
   </p:cSld>
@@ -547,7 +547,7 @@
           <p:cNvPr id="2" name="竖排标题 1">
             <a:extLst>
               <a:ext uri="{FF2B5EF4-FFF2-40B4-BE49-F238E27FC236}">
-                <a16:creationId xmlns:a16="http://schemas.microsoft.com/office/drawing/2014/main" id="{29B22D35-2F94-2F0D-D65E-D79F0C736C7F}"/>
+                <a16:creationId xmlns:a16="http://schemas.microsoft.com/office/drawing/2014/main" id="{19CB748E-C383-58B5-BFEA-5372B91B82A6}"/>
               </a:ext>
             </a:extLst>
           </p:cNvPr>
@@ -580,7 +580,7 @@
           <p:cNvPr id="3" name="竖排文字占位符 2">
             <a:extLst>
               <a:ext uri="{FF2B5EF4-FFF2-40B4-BE49-F238E27FC236}">
-                <a16:creationId xmlns:a16="http://schemas.microsoft.com/office/drawing/2014/main" id="{CB976DC0-F198-DF4D-5C8A-A83AFBA8049D}"/>
+                <a16:creationId xmlns:a16="http://schemas.microsoft.com/office/drawing/2014/main" id="{77A551DD-F280-8222-8C32-E9402B4ADD97}"/>
               </a:ext>
             </a:extLst>
           </p:cNvPr>
@@ -642,7 +642,7 @@
           <p:cNvPr id="4" name="日期占位符 3">
             <a:extLst>
               <a:ext uri="{FF2B5EF4-FFF2-40B4-BE49-F238E27FC236}">
-                <a16:creationId xmlns:a16="http://schemas.microsoft.com/office/drawing/2014/main" id="{E8F2242A-7CFB-E3DE-7D54-CD660FA8B22B}"/>
+                <a16:creationId xmlns:a16="http://schemas.microsoft.com/office/drawing/2014/main" id="{EE6300EE-4FA6-099D-5E15-B3308D7362F2}"/>
               </a:ext>
             </a:extLst>
           </p:cNvPr>
@@ -658,7 +658,7 @@
           <a:bodyPr/>
           <a:lstStyle/>
           <a:p>
-            <a:fld id="{FCBDBE33-4A75-464F-9675-75571D7EE6B8}" type="datetimeFigureOut">
+            <a:fld id="{434166A1-5D48-459F-AF89-79776C4AE821}" type="datetimeFigureOut">
               <a:rPr lang="zh-CN" altLang="en-US" smtClean="0"/>
               <a:t>2024/3/10</a:t>
             </a:fld>
@@ -671,7 +671,7 @@
           <p:cNvPr id="5" name="页脚占位符 4">
             <a:extLst>
               <a:ext uri="{FF2B5EF4-FFF2-40B4-BE49-F238E27FC236}">
-                <a16:creationId xmlns:a16="http://schemas.microsoft.com/office/drawing/2014/main" id="{92DD4B95-8AB9-B8C4-AE42-4D721463AFF9}"/>
+                <a16:creationId xmlns:a16="http://schemas.microsoft.com/office/drawing/2014/main" id="{663A8592-03E6-8084-A12A-978C9FBB3BFE}"/>
               </a:ext>
             </a:extLst>
           </p:cNvPr>
@@ -696,7 +696,7 @@
           <p:cNvPr id="6" name="灯片编号占位符 5">
             <a:extLst>
               <a:ext uri="{FF2B5EF4-FFF2-40B4-BE49-F238E27FC236}">
-                <a16:creationId xmlns:a16="http://schemas.microsoft.com/office/drawing/2014/main" id="{B0227759-1FF8-AFAE-F171-4B2A19852B31}"/>
+                <a16:creationId xmlns:a16="http://schemas.microsoft.com/office/drawing/2014/main" id="{5612EA07-65D9-3185-E19E-CA2883FC6D9B}"/>
               </a:ext>
             </a:extLst>
           </p:cNvPr>
@@ -712,7 +712,7 @@
           <a:bodyPr/>
           <a:lstStyle/>
           <a:p>
-            <a:fld id="{99AC75F2-E6C3-4264-B370-EC04755C7C81}" type="slidenum">
+            <a:fld id="{3C928F56-52F0-41D3-BD30-CCF58305E25D}" type="slidenum">
               <a:rPr lang="zh-CN" altLang="en-US" smtClean="0"/>
               <a:t>‹#›</a:t>
             </a:fld>
@@ -723,7 +723,7 @@
     </p:spTree>
     <p:extLst>
       <p:ext uri="{BB962C8B-B14F-4D97-AF65-F5344CB8AC3E}">
-        <p14:creationId xmlns:p14="http://schemas.microsoft.com/office/powerpoint/2010/main" val="1949538892"/>
+        <p14:creationId xmlns:p14="http://schemas.microsoft.com/office/powerpoint/2010/main" val="4235750380"/>
       </p:ext>
     </p:extLst>
   </p:cSld>
@@ -755,7 +755,7 @@
           <p:cNvPr id="2" name="标题 1">
             <a:extLst>
               <a:ext uri="{FF2B5EF4-FFF2-40B4-BE49-F238E27FC236}">
-                <a16:creationId xmlns:a16="http://schemas.microsoft.com/office/drawing/2014/main" id="{30A0A4C0-1B3D-0A3E-F3ED-80DD200461B8}"/>
+                <a16:creationId xmlns:a16="http://schemas.microsoft.com/office/drawing/2014/main" id="{93754E5B-9B89-ECBE-ADC4-5B956641E005}"/>
               </a:ext>
             </a:extLst>
           </p:cNvPr>
@@ -783,7 +783,7 @@
           <p:cNvPr id="3" name="内容占位符 2">
             <a:extLst>
               <a:ext uri="{FF2B5EF4-FFF2-40B4-BE49-F238E27FC236}">
-                <a16:creationId xmlns:a16="http://schemas.microsoft.com/office/drawing/2014/main" id="{7785CF55-3DD4-C05F-5983-06B013D32917}"/>
+                <a16:creationId xmlns:a16="http://schemas.microsoft.com/office/drawing/2014/main" id="{7EAD4396-9332-1674-959B-5977B2EDF38B}"/>
               </a:ext>
             </a:extLst>
           </p:cNvPr>
@@ -840,7 +840,7 @@
           <p:cNvPr id="4" name="日期占位符 3">
             <a:extLst>
               <a:ext uri="{FF2B5EF4-FFF2-40B4-BE49-F238E27FC236}">
-                <a16:creationId xmlns:a16="http://schemas.microsoft.com/office/drawing/2014/main" id="{CF5E98CC-DF0E-6275-1F33-B2C60F4CBE88}"/>
+                <a16:creationId xmlns:a16="http://schemas.microsoft.com/office/drawing/2014/main" id="{F82A3F86-D7BA-E679-0D27-72069EC5E14B}"/>
               </a:ext>
             </a:extLst>
           </p:cNvPr>
@@ -856,7 +856,7 @@
           <a:bodyPr/>
           <a:lstStyle/>
           <a:p>
-            <a:fld id="{FCBDBE33-4A75-464F-9675-75571D7EE6B8}" type="datetimeFigureOut">
+            <a:fld id="{434166A1-5D48-459F-AF89-79776C4AE821}" type="datetimeFigureOut">
               <a:rPr lang="zh-CN" altLang="en-US" smtClean="0"/>
               <a:t>2024/3/10</a:t>
             </a:fld>
@@ -869,7 +869,7 @@
           <p:cNvPr id="5" name="页脚占位符 4">
             <a:extLst>
               <a:ext uri="{FF2B5EF4-FFF2-40B4-BE49-F238E27FC236}">
-                <a16:creationId xmlns:a16="http://schemas.microsoft.com/office/drawing/2014/main" id="{E8AC7269-8C15-BF01-A826-3674010BC9F0}"/>
+                <a16:creationId xmlns:a16="http://schemas.microsoft.com/office/drawing/2014/main" id="{2A7015C0-9025-EC07-14B0-3954E659973A}"/>
               </a:ext>
             </a:extLst>
           </p:cNvPr>
@@ -894,7 +894,7 @@
           <p:cNvPr id="6" name="灯片编号占位符 5">
             <a:extLst>
               <a:ext uri="{FF2B5EF4-FFF2-40B4-BE49-F238E27FC236}">
-                <a16:creationId xmlns:a16="http://schemas.microsoft.com/office/drawing/2014/main" id="{4A8F9D7E-5B4D-39C7-4F12-B136D5C4D905}"/>
+                <a16:creationId xmlns:a16="http://schemas.microsoft.com/office/drawing/2014/main" id="{9B6CD030-891D-3AB2-93E5-87FAEA665D5A}"/>
               </a:ext>
             </a:extLst>
           </p:cNvPr>
@@ -910,7 +910,7 @@
           <a:bodyPr/>
           <a:lstStyle/>
           <a:p>
-            <a:fld id="{99AC75F2-E6C3-4264-B370-EC04755C7C81}" type="slidenum">
+            <a:fld id="{3C928F56-52F0-41D3-BD30-CCF58305E25D}" type="slidenum">
               <a:rPr lang="zh-CN" altLang="en-US" smtClean="0"/>
               <a:t>‹#›</a:t>
             </a:fld>
@@ -921,7 +921,7 @@
     </p:spTree>
     <p:extLst>
       <p:ext uri="{BB962C8B-B14F-4D97-AF65-F5344CB8AC3E}">
-        <p14:creationId xmlns:p14="http://schemas.microsoft.com/office/powerpoint/2010/main" val="4247088592"/>
+        <p14:creationId xmlns:p14="http://schemas.microsoft.com/office/powerpoint/2010/main" val="49618660"/>
       </p:ext>
     </p:extLst>
   </p:cSld>
@@ -953,7 +953,7 @@
           <p:cNvPr id="2" name="标题 1">
             <a:extLst>
               <a:ext uri="{FF2B5EF4-FFF2-40B4-BE49-F238E27FC236}">
-                <a16:creationId xmlns:a16="http://schemas.microsoft.com/office/drawing/2014/main" id="{9D23B35E-C4A4-CC1B-F4D4-0656DC274C33}"/>
+                <a16:creationId xmlns:a16="http://schemas.microsoft.com/office/drawing/2014/main" id="{1BFCC624-FACB-8CAD-E87C-A0418797A4C1}"/>
               </a:ext>
             </a:extLst>
           </p:cNvPr>
@@ -990,7 +990,7 @@
           <p:cNvPr id="3" name="文本占位符 2">
             <a:extLst>
               <a:ext uri="{FF2B5EF4-FFF2-40B4-BE49-F238E27FC236}">
-                <a16:creationId xmlns:a16="http://schemas.microsoft.com/office/drawing/2014/main" id="{A07999BF-4B16-062F-64F9-8218D765D75D}"/>
+                <a16:creationId xmlns:a16="http://schemas.microsoft.com/office/drawing/2014/main" id="{B5BDC626-C7D4-4702-08AF-3AF49C20A149}"/>
               </a:ext>
             </a:extLst>
           </p:cNvPr>
@@ -1115,7 +1115,7 @@
           <p:cNvPr id="4" name="日期占位符 3">
             <a:extLst>
               <a:ext uri="{FF2B5EF4-FFF2-40B4-BE49-F238E27FC236}">
-                <a16:creationId xmlns:a16="http://schemas.microsoft.com/office/drawing/2014/main" id="{B1F18287-0A64-533C-7AA5-6AB5DF98B6A8}"/>
+                <a16:creationId xmlns:a16="http://schemas.microsoft.com/office/drawing/2014/main" id="{F669DFCB-FA7A-DD9C-F9A5-FD4510657C3C}"/>
               </a:ext>
             </a:extLst>
           </p:cNvPr>
@@ -1131,7 +1131,7 @@
           <a:bodyPr/>
           <a:lstStyle/>
           <a:p>
-            <a:fld id="{FCBDBE33-4A75-464F-9675-75571D7EE6B8}" type="datetimeFigureOut">
+            <a:fld id="{434166A1-5D48-459F-AF89-79776C4AE821}" type="datetimeFigureOut">
               <a:rPr lang="zh-CN" altLang="en-US" smtClean="0"/>
               <a:t>2024/3/10</a:t>
             </a:fld>
@@ -1144,7 +1144,7 @@
           <p:cNvPr id="5" name="页脚占位符 4">
             <a:extLst>
               <a:ext uri="{FF2B5EF4-FFF2-40B4-BE49-F238E27FC236}">
-                <a16:creationId xmlns:a16="http://schemas.microsoft.com/office/drawing/2014/main" id="{F3EF0B2D-189D-74AB-D8EE-FD754BEC0A28}"/>
+                <a16:creationId xmlns:a16="http://schemas.microsoft.com/office/drawing/2014/main" id="{C0918733-2FEC-98EC-42D9-8F1A91FE023D}"/>
               </a:ext>
             </a:extLst>
           </p:cNvPr>
@@ -1169,7 +1169,7 @@
           <p:cNvPr id="6" name="灯片编号占位符 5">
             <a:extLst>
               <a:ext uri="{FF2B5EF4-FFF2-40B4-BE49-F238E27FC236}">
-                <a16:creationId xmlns:a16="http://schemas.microsoft.com/office/drawing/2014/main" id="{305B5287-D525-9D50-1B6E-5D9176002606}"/>
+                <a16:creationId xmlns:a16="http://schemas.microsoft.com/office/drawing/2014/main" id="{88DE6B1F-4D8C-05F8-FB24-B24C5B6DA5BA}"/>
               </a:ext>
             </a:extLst>
           </p:cNvPr>
@@ -1185,7 +1185,7 @@
           <a:bodyPr/>
           <a:lstStyle/>
           <a:p>
-            <a:fld id="{99AC75F2-E6C3-4264-B370-EC04755C7C81}" type="slidenum">
+            <a:fld id="{3C928F56-52F0-41D3-BD30-CCF58305E25D}" type="slidenum">
               <a:rPr lang="zh-CN" altLang="en-US" smtClean="0"/>
               <a:t>‹#›</a:t>
             </a:fld>
@@ -1196,7 +1196,7 @@
     </p:spTree>
     <p:extLst>
       <p:ext uri="{BB962C8B-B14F-4D97-AF65-F5344CB8AC3E}">
-        <p14:creationId xmlns:p14="http://schemas.microsoft.com/office/powerpoint/2010/main" val="2124152702"/>
+        <p14:creationId xmlns:p14="http://schemas.microsoft.com/office/powerpoint/2010/main" val="4145732473"/>
       </p:ext>
     </p:extLst>
   </p:cSld>
@@ -1228,7 +1228,7 @@
           <p:cNvPr id="2" name="标题 1">
             <a:extLst>
               <a:ext uri="{FF2B5EF4-FFF2-40B4-BE49-F238E27FC236}">
-                <a16:creationId xmlns:a16="http://schemas.microsoft.com/office/drawing/2014/main" id="{EE82CA8C-8079-C6E6-DFD4-9FBCB0A1F67E}"/>
+                <a16:creationId xmlns:a16="http://schemas.microsoft.com/office/drawing/2014/main" id="{3C5CC162-18E0-EB0F-04F6-F0B41D27B0E3}"/>
               </a:ext>
             </a:extLst>
           </p:cNvPr>
@@ -1256,7 +1256,7 @@
           <p:cNvPr id="3" name="内容占位符 2">
             <a:extLst>
               <a:ext uri="{FF2B5EF4-FFF2-40B4-BE49-F238E27FC236}">
-                <a16:creationId xmlns:a16="http://schemas.microsoft.com/office/drawing/2014/main" id="{A24CE099-9696-5A84-FAF5-645D8D5410E4}"/>
+                <a16:creationId xmlns:a16="http://schemas.microsoft.com/office/drawing/2014/main" id="{67EF3B04-BFC9-CE2E-4DD1-3B2DD5ADB946}"/>
               </a:ext>
             </a:extLst>
           </p:cNvPr>
@@ -1318,7 +1318,7 @@
           <p:cNvPr id="4" name="内容占位符 3">
             <a:extLst>
               <a:ext uri="{FF2B5EF4-FFF2-40B4-BE49-F238E27FC236}">
-                <a16:creationId xmlns:a16="http://schemas.microsoft.com/office/drawing/2014/main" id="{8B6E38CF-A6D8-A2D2-027D-8B0C054AF38C}"/>
+                <a16:creationId xmlns:a16="http://schemas.microsoft.com/office/drawing/2014/main" id="{9C922D16-06D1-36E2-3093-052BFDC0D169}"/>
               </a:ext>
             </a:extLst>
           </p:cNvPr>
@@ -1380,7 +1380,7 @@
           <p:cNvPr id="5" name="日期占位符 4">
             <a:extLst>
               <a:ext uri="{FF2B5EF4-FFF2-40B4-BE49-F238E27FC236}">
-                <a16:creationId xmlns:a16="http://schemas.microsoft.com/office/drawing/2014/main" id="{77AEB646-BF9D-D457-EB3A-56062CE1142E}"/>
+                <a16:creationId xmlns:a16="http://schemas.microsoft.com/office/drawing/2014/main" id="{5CF3014F-A310-5965-98D8-B03B5EAC0D00}"/>
               </a:ext>
             </a:extLst>
           </p:cNvPr>
@@ -1396,7 +1396,7 @@
           <a:bodyPr/>
           <a:lstStyle/>
           <a:p>
-            <a:fld id="{FCBDBE33-4A75-464F-9675-75571D7EE6B8}" type="datetimeFigureOut">
+            <a:fld id="{434166A1-5D48-459F-AF89-79776C4AE821}" type="datetimeFigureOut">
               <a:rPr lang="zh-CN" altLang="en-US" smtClean="0"/>
               <a:t>2024/3/10</a:t>
             </a:fld>
@@ -1409,7 +1409,7 @@
           <p:cNvPr id="6" name="页脚占位符 5">
             <a:extLst>
               <a:ext uri="{FF2B5EF4-FFF2-40B4-BE49-F238E27FC236}">
-                <a16:creationId xmlns:a16="http://schemas.microsoft.com/office/drawing/2014/main" id="{D611136A-BF2C-8389-7062-71CB5539C71A}"/>
+                <a16:creationId xmlns:a16="http://schemas.microsoft.com/office/drawing/2014/main" id="{25C9DE89-F885-CAC0-82FB-AEAF89B0F9FA}"/>
               </a:ext>
             </a:extLst>
           </p:cNvPr>
@@ -1434,7 +1434,7 @@
           <p:cNvPr id="7" name="灯片编号占位符 6">
             <a:extLst>
               <a:ext uri="{FF2B5EF4-FFF2-40B4-BE49-F238E27FC236}">
-                <a16:creationId xmlns:a16="http://schemas.microsoft.com/office/drawing/2014/main" id="{C256F668-9BAB-8DBD-A79B-F5A0B410AFA3}"/>
+                <a16:creationId xmlns:a16="http://schemas.microsoft.com/office/drawing/2014/main" id="{3A36CE6C-6093-1359-C99B-E56638F898BF}"/>
               </a:ext>
             </a:extLst>
           </p:cNvPr>
@@ -1450,7 +1450,7 @@
           <a:bodyPr/>
           <a:lstStyle/>
           <a:p>
-            <a:fld id="{99AC75F2-E6C3-4264-B370-EC04755C7C81}" type="slidenum">
+            <a:fld id="{3C928F56-52F0-41D3-BD30-CCF58305E25D}" type="slidenum">
               <a:rPr lang="zh-CN" altLang="en-US" smtClean="0"/>
               <a:t>‹#›</a:t>
             </a:fld>
@@ -1461,7 +1461,7 @@
     </p:spTree>
     <p:extLst>
       <p:ext uri="{BB962C8B-B14F-4D97-AF65-F5344CB8AC3E}">
-        <p14:creationId xmlns:p14="http://schemas.microsoft.com/office/powerpoint/2010/main" val="1022334866"/>
+        <p14:creationId xmlns:p14="http://schemas.microsoft.com/office/powerpoint/2010/main" val="3032367004"/>
       </p:ext>
     </p:extLst>
   </p:cSld>
@@ -1493,7 +1493,7 @@
           <p:cNvPr id="2" name="标题 1">
             <a:extLst>
               <a:ext uri="{FF2B5EF4-FFF2-40B4-BE49-F238E27FC236}">
-                <a16:creationId xmlns:a16="http://schemas.microsoft.com/office/drawing/2014/main" id="{A2A6C975-268E-19EA-344D-7D8A8DC0C55B}"/>
+                <a16:creationId xmlns:a16="http://schemas.microsoft.com/office/drawing/2014/main" id="{121B4D5A-BF0B-7C9A-A933-A195A51ABE5E}"/>
               </a:ext>
             </a:extLst>
           </p:cNvPr>
@@ -1526,7 +1526,7 @@
           <p:cNvPr id="3" name="文本占位符 2">
             <a:extLst>
               <a:ext uri="{FF2B5EF4-FFF2-40B4-BE49-F238E27FC236}">
-                <a16:creationId xmlns:a16="http://schemas.microsoft.com/office/drawing/2014/main" id="{D9763B53-C361-194C-185E-FFD830539FEB}"/>
+                <a16:creationId xmlns:a16="http://schemas.microsoft.com/office/drawing/2014/main" id="{A6F79FDB-7D80-EB17-4DE0-7EF921CB0FAE}"/>
               </a:ext>
             </a:extLst>
           </p:cNvPr>
@@ -1597,7 +1597,7 @@
           <p:cNvPr id="4" name="内容占位符 3">
             <a:extLst>
               <a:ext uri="{FF2B5EF4-FFF2-40B4-BE49-F238E27FC236}">
-                <a16:creationId xmlns:a16="http://schemas.microsoft.com/office/drawing/2014/main" id="{101E501C-6E33-F0A1-FD5B-FAC7305FF257}"/>
+                <a16:creationId xmlns:a16="http://schemas.microsoft.com/office/drawing/2014/main" id="{2FF5D291-03B6-19E4-334D-A0A105D3D44B}"/>
               </a:ext>
             </a:extLst>
           </p:cNvPr>
@@ -1659,7 +1659,7 @@
           <p:cNvPr id="5" name="文本占位符 4">
             <a:extLst>
               <a:ext uri="{FF2B5EF4-FFF2-40B4-BE49-F238E27FC236}">
-                <a16:creationId xmlns:a16="http://schemas.microsoft.com/office/drawing/2014/main" id="{5D5A6F5D-5E2B-23C6-DC3E-D63D3E7C50F8}"/>
+                <a16:creationId xmlns:a16="http://schemas.microsoft.com/office/drawing/2014/main" id="{C4741D7D-4F8C-75EA-0154-A8B5C3884582}"/>
               </a:ext>
             </a:extLst>
           </p:cNvPr>
@@ -1730,7 +1730,7 @@
           <p:cNvPr id="6" name="内容占位符 5">
             <a:extLst>
               <a:ext uri="{FF2B5EF4-FFF2-40B4-BE49-F238E27FC236}">
-                <a16:creationId xmlns:a16="http://schemas.microsoft.com/office/drawing/2014/main" id="{5B6B3906-D2CF-453F-58A6-B1F89747D5F6}"/>
+                <a16:creationId xmlns:a16="http://schemas.microsoft.com/office/drawing/2014/main" id="{C930A641-62C3-AD06-5EEF-FF298A020F36}"/>
               </a:ext>
             </a:extLst>
           </p:cNvPr>
@@ -1792,7 +1792,7 @@
           <p:cNvPr id="7" name="日期占位符 6">
             <a:extLst>
               <a:ext uri="{FF2B5EF4-FFF2-40B4-BE49-F238E27FC236}">
-                <a16:creationId xmlns:a16="http://schemas.microsoft.com/office/drawing/2014/main" id="{53169793-3C28-255F-6B7F-C0CC170308C3}"/>
+                <a16:creationId xmlns:a16="http://schemas.microsoft.com/office/drawing/2014/main" id="{3E11BA3D-0995-5892-D3E4-EB33604C9365}"/>
               </a:ext>
             </a:extLst>
           </p:cNvPr>
@@ -1808,7 +1808,7 @@
           <a:bodyPr/>
           <a:lstStyle/>
           <a:p>
-            <a:fld id="{FCBDBE33-4A75-464F-9675-75571D7EE6B8}" type="datetimeFigureOut">
+            <a:fld id="{434166A1-5D48-459F-AF89-79776C4AE821}" type="datetimeFigureOut">
               <a:rPr lang="zh-CN" altLang="en-US" smtClean="0"/>
               <a:t>2024/3/10</a:t>
             </a:fld>
@@ -1821,7 +1821,7 @@
           <p:cNvPr id="8" name="页脚占位符 7">
             <a:extLst>
               <a:ext uri="{FF2B5EF4-FFF2-40B4-BE49-F238E27FC236}">
-                <a16:creationId xmlns:a16="http://schemas.microsoft.com/office/drawing/2014/main" id="{EB20BDBD-2D87-098D-2C23-2DE54A6CFFC2}"/>
+                <a16:creationId xmlns:a16="http://schemas.microsoft.com/office/drawing/2014/main" id="{2511F627-4E2D-8AFC-E8DD-1FEA23A59224}"/>
               </a:ext>
             </a:extLst>
           </p:cNvPr>
@@ -1846,7 +1846,7 @@
           <p:cNvPr id="9" name="灯片编号占位符 8">
             <a:extLst>
               <a:ext uri="{FF2B5EF4-FFF2-40B4-BE49-F238E27FC236}">
-                <a16:creationId xmlns:a16="http://schemas.microsoft.com/office/drawing/2014/main" id="{F2919CCD-A41C-979E-9CBA-D73CC8F4B579}"/>
+                <a16:creationId xmlns:a16="http://schemas.microsoft.com/office/drawing/2014/main" id="{59AAF238-4E09-3D73-F660-18D890AC03CA}"/>
               </a:ext>
             </a:extLst>
           </p:cNvPr>
@@ -1862,7 +1862,7 @@
           <a:bodyPr/>
           <a:lstStyle/>
           <a:p>
-            <a:fld id="{99AC75F2-E6C3-4264-B370-EC04755C7C81}" type="slidenum">
+            <a:fld id="{3C928F56-52F0-41D3-BD30-CCF58305E25D}" type="slidenum">
               <a:rPr lang="zh-CN" altLang="en-US" smtClean="0"/>
               <a:t>‹#›</a:t>
             </a:fld>
@@ -1873,7 +1873,7 @@
     </p:spTree>
     <p:extLst>
       <p:ext uri="{BB962C8B-B14F-4D97-AF65-F5344CB8AC3E}">
-        <p14:creationId xmlns:p14="http://schemas.microsoft.com/office/powerpoint/2010/main" val="1908586259"/>
+        <p14:creationId xmlns:p14="http://schemas.microsoft.com/office/powerpoint/2010/main" val="608338629"/>
       </p:ext>
     </p:extLst>
   </p:cSld>
@@ -1905,7 +1905,7 @@
           <p:cNvPr id="2" name="标题 1">
             <a:extLst>
               <a:ext uri="{FF2B5EF4-FFF2-40B4-BE49-F238E27FC236}">
-                <a16:creationId xmlns:a16="http://schemas.microsoft.com/office/drawing/2014/main" id="{DB4B003A-40A3-1592-EC79-56E4D388AFFE}"/>
+                <a16:creationId xmlns:a16="http://schemas.microsoft.com/office/drawing/2014/main" id="{A4B1E0AD-8EFD-193E-0904-1931C1E304C6}"/>
               </a:ext>
             </a:extLst>
           </p:cNvPr>
@@ -1933,7 +1933,7 @@
           <p:cNvPr id="3" name="日期占位符 2">
             <a:extLst>
               <a:ext uri="{FF2B5EF4-FFF2-40B4-BE49-F238E27FC236}">
-                <a16:creationId xmlns:a16="http://schemas.microsoft.com/office/drawing/2014/main" id="{81A82C9C-B799-0ECF-F9CC-32501C7C1809}"/>
+                <a16:creationId xmlns:a16="http://schemas.microsoft.com/office/drawing/2014/main" id="{9EB3914B-2CB1-A41F-A2E7-474B893B62E3}"/>
               </a:ext>
             </a:extLst>
           </p:cNvPr>
@@ -1949,7 +1949,7 @@
           <a:bodyPr/>
           <a:lstStyle/>
           <a:p>
-            <a:fld id="{FCBDBE33-4A75-464F-9675-75571D7EE6B8}" type="datetimeFigureOut">
+            <a:fld id="{434166A1-5D48-459F-AF89-79776C4AE821}" type="datetimeFigureOut">
               <a:rPr lang="zh-CN" altLang="en-US" smtClean="0"/>
               <a:t>2024/3/10</a:t>
             </a:fld>
@@ -1962,7 +1962,7 @@
           <p:cNvPr id="4" name="页脚占位符 3">
             <a:extLst>
               <a:ext uri="{FF2B5EF4-FFF2-40B4-BE49-F238E27FC236}">
-                <a16:creationId xmlns:a16="http://schemas.microsoft.com/office/drawing/2014/main" id="{684EA6BB-1CA5-ACE3-4877-0D93C9E7DBEC}"/>
+                <a16:creationId xmlns:a16="http://schemas.microsoft.com/office/drawing/2014/main" id="{CF8C6C75-363D-9601-293F-E0043CD4FC3E}"/>
               </a:ext>
             </a:extLst>
           </p:cNvPr>
@@ -1987,7 +1987,7 @@
           <p:cNvPr id="5" name="灯片编号占位符 4">
             <a:extLst>
               <a:ext uri="{FF2B5EF4-FFF2-40B4-BE49-F238E27FC236}">
-                <a16:creationId xmlns:a16="http://schemas.microsoft.com/office/drawing/2014/main" id="{7DD4D01E-FE14-D81F-5160-B40D4FBA625D}"/>
+                <a16:creationId xmlns:a16="http://schemas.microsoft.com/office/drawing/2014/main" id="{3E050E98-A191-5507-CEF7-4DF794DB4B03}"/>
               </a:ext>
             </a:extLst>
           </p:cNvPr>
@@ -2003,7 +2003,7 @@
           <a:bodyPr/>
           <a:lstStyle/>
           <a:p>
-            <a:fld id="{99AC75F2-E6C3-4264-B370-EC04755C7C81}" type="slidenum">
+            <a:fld id="{3C928F56-52F0-41D3-BD30-CCF58305E25D}" type="slidenum">
               <a:rPr lang="zh-CN" altLang="en-US" smtClean="0"/>
               <a:t>‹#›</a:t>
             </a:fld>
@@ -2014,7 +2014,7 @@
     </p:spTree>
     <p:extLst>
       <p:ext uri="{BB962C8B-B14F-4D97-AF65-F5344CB8AC3E}">
-        <p14:creationId xmlns:p14="http://schemas.microsoft.com/office/powerpoint/2010/main" val="3330766585"/>
+        <p14:creationId xmlns:p14="http://schemas.microsoft.com/office/powerpoint/2010/main" val="2891153287"/>
       </p:ext>
     </p:extLst>
   </p:cSld>
@@ -2046,7 +2046,7 @@
           <p:cNvPr id="2" name="日期占位符 1">
             <a:extLst>
               <a:ext uri="{FF2B5EF4-FFF2-40B4-BE49-F238E27FC236}">
-                <a16:creationId xmlns:a16="http://schemas.microsoft.com/office/drawing/2014/main" id="{93376BA2-5B32-372A-66D7-5C8155A67860}"/>
+                <a16:creationId xmlns:a16="http://schemas.microsoft.com/office/drawing/2014/main" id="{93B35481-9D03-EF66-97BC-18220D78EE05}"/>
               </a:ext>
             </a:extLst>
           </p:cNvPr>
@@ -2062,7 +2062,7 @@
           <a:bodyPr/>
           <a:lstStyle/>
           <a:p>
-            <a:fld id="{FCBDBE33-4A75-464F-9675-75571D7EE6B8}" type="datetimeFigureOut">
+            <a:fld id="{434166A1-5D48-459F-AF89-79776C4AE821}" type="datetimeFigureOut">
               <a:rPr lang="zh-CN" altLang="en-US" smtClean="0"/>
               <a:t>2024/3/10</a:t>
             </a:fld>
@@ -2075,7 +2075,7 @@
           <p:cNvPr id="3" name="页脚占位符 2">
             <a:extLst>
               <a:ext uri="{FF2B5EF4-FFF2-40B4-BE49-F238E27FC236}">
-                <a16:creationId xmlns:a16="http://schemas.microsoft.com/office/drawing/2014/main" id="{42932EBB-7E09-2D6E-7A10-FE632F4C9F8A}"/>
+                <a16:creationId xmlns:a16="http://schemas.microsoft.com/office/drawing/2014/main" id="{87F9585C-C260-B6E9-8FB3-4F8B89E92B4A}"/>
               </a:ext>
             </a:extLst>
           </p:cNvPr>
@@ -2100,7 +2100,7 @@
           <p:cNvPr id="4" name="灯片编号占位符 3">
             <a:extLst>
               <a:ext uri="{FF2B5EF4-FFF2-40B4-BE49-F238E27FC236}">
-                <a16:creationId xmlns:a16="http://schemas.microsoft.com/office/drawing/2014/main" id="{D9DD7EE8-6DE0-0E50-EF46-9D8363C6F266}"/>
+                <a16:creationId xmlns:a16="http://schemas.microsoft.com/office/drawing/2014/main" id="{67EBF618-5663-EFFA-CAC4-3082644CCFB3}"/>
               </a:ext>
             </a:extLst>
           </p:cNvPr>
@@ -2116,7 +2116,7 @@
           <a:bodyPr/>
           <a:lstStyle/>
           <a:p>
-            <a:fld id="{99AC75F2-E6C3-4264-B370-EC04755C7C81}" type="slidenum">
+            <a:fld id="{3C928F56-52F0-41D3-BD30-CCF58305E25D}" type="slidenum">
               <a:rPr lang="zh-CN" altLang="en-US" smtClean="0"/>
               <a:t>‹#›</a:t>
             </a:fld>
@@ -2127,7 +2127,7 @@
     </p:spTree>
     <p:extLst>
       <p:ext uri="{BB962C8B-B14F-4D97-AF65-F5344CB8AC3E}">
-        <p14:creationId xmlns:p14="http://schemas.microsoft.com/office/powerpoint/2010/main" val="3117888506"/>
+        <p14:creationId xmlns:p14="http://schemas.microsoft.com/office/powerpoint/2010/main" val="1258708707"/>
       </p:ext>
     </p:extLst>
   </p:cSld>
@@ -2159,7 +2159,7 @@
           <p:cNvPr id="2" name="标题 1">
             <a:extLst>
               <a:ext uri="{FF2B5EF4-FFF2-40B4-BE49-F238E27FC236}">
-                <a16:creationId xmlns:a16="http://schemas.microsoft.com/office/drawing/2014/main" id="{541E88FC-5DE8-8603-5EAC-6894F9EE5560}"/>
+                <a16:creationId xmlns:a16="http://schemas.microsoft.com/office/drawing/2014/main" id="{2CC91106-AC0D-8E9B-5B96-A6AC3C25098F}"/>
               </a:ext>
             </a:extLst>
           </p:cNvPr>
@@ -2196,7 +2196,7 @@
           <p:cNvPr id="3" name="内容占位符 2">
             <a:extLst>
               <a:ext uri="{FF2B5EF4-FFF2-40B4-BE49-F238E27FC236}">
-                <a16:creationId xmlns:a16="http://schemas.microsoft.com/office/drawing/2014/main" id="{453A6BAD-6405-8805-E114-61333D5CEC06}"/>
+                <a16:creationId xmlns:a16="http://schemas.microsoft.com/office/drawing/2014/main" id="{65D9B640-0DE5-BE4C-6493-FEF3D454CCFD}"/>
               </a:ext>
             </a:extLst>
           </p:cNvPr>
@@ -2286,7 +2286,7 @@
           <p:cNvPr id="4" name="文本占位符 3">
             <a:extLst>
               <a:ext uri="{FF2B5EF4-FFF2-40B4-BE49-F238E27FC236}">
-                <a16:creationId xmlns:a16="http://schemas.microsoft.com/office/drawing/2014/main" id="{6566DAF6-0082-13DB-B56F-987425F2A7B2}"/>
+                <a16:creationId xmlns:a16="http://schemas.microsoft.com/office/drawing/2014/main" id="{5DE3042B-ED55-55A7-618D-85302F68C64D}"/>
               </a:ext>
             </a:extLst>
           </p:cNvPr>
@@ -2357,7 +2357,7 @@
           <p:cNvPr id="5" name="日期占位符 4">
             <a:extLst>
               <a:ext uri="{FF2B5EF4-FFF2-40B4-BE49-F238E27FC236}">
-                <a16:creationId xmlns:a16="http://schemas.microsoft.com/office/drawing/2014/main" id="{72395D6C-71F8-D1A4-5680-50BE9A2D4FF6}"/>
+                <a16:creationId xmlns:a16="http://schemas.microsoft.com/office/drawing/2014/main" id="{855BC4BB-A61D-98ED-14BB-78455E437838}"/>
               </a:ext>
             </a:extLst>
           </p:cNvPr>
@@ -2373,7 +2373,7 @@
           <a:bodyPr/>
           <a:lstStyle/>
           <a:p>
-            <a:fld id="{FCBDBE33-4A75-464F-9675-75571D7EE6B8}" type="datetimeFigureOut">
+            <a:fld id="{434166A1-5D48-459F-AF89-79776C4AE821}" type="datetimeFigureOut">
               <a:rPr lang="zh-CN" altLang="en-US" smtClean="0"/>
               <a:t>2024/3/10</a:t>
             </a:fld>
@@ -2386,7 +2386,7 @@
           <p:cNvPr id="6" name="页脚占位符 5">
             <a:extLst>
               <a:ext uri="{FF2B5EF4-FFF2-40B4-BE49-F238E27FC236}">
-                <a16:creationId xmlns:a16="http://schemas.microsoft.com/office/drawing/2014/main" id="{AE60BD1E-EC53-464A-DB3C-7A725D92772C}"/>
+                <a16:creationId xmlns:a16="http://schemas.microsoft.com/office/drawing/2014/main" id="{337D8EB9-F1A4-B140-201F-FF677603F28D}"/>
               </a:ext>
             </a:extLst>
           </p:cNvPr>
@@ -2411,7 +2411,7 @@
           <p:cNvPr id="7" name="灯片编号占位符 6">
             <a:extLst>
               <a:ext uri="{FF2B5EF4-FFF2-40B4-BE49-F238E27FC236}">
-                <a16:creationId xmlns:a16="http://schemas.microsoft.com/office/drawing/2014/main" id="{7C212204-DD74-E5D5-12FF-FA4B945369FA}"/>
+                <a16:creationId xmlns:a16="http://schemas.microsoft.com/office/drawing/2014/main" id="{0641A5D9-9E6F-65B6-E726-4C5E3B6F4106}"/>
               </a:ext>
             </a:extLst>
           </p:cNvPr>
@@ -2427,7 +2427,7 @@
           <a:bodyPr/>
           <a:lstStyle/>
           <a:p>
-            <a:fld id="{99AC75F2-E6C3-4264-B370-EC04755C7C81}" type="slidenum">
+            <a:fld id="{3C928F56-52F0-41D3-BD30-CCF58305E25D}" type="slidenum">
               <a:rPr lang="zh-CN" altLang="en-US" smtClean="0"/>
               <a:t>‹#›</a:t>
             </a:fld>
@@ -2438,7 +2438,7 @@
     </p:spTree>
     <p:extLst>
       <p:ext uri="{BB962C8B-B14F-4D97-AF65-F5344CB8AC3E}">
-        <p14:creationId xmlns:p14="http://schemas.microsoft.com/office/powerpoint/2010/main" val="1987217865"/>
+        <p14:creationId xmlns:p14="http://schemas.microsoft.com/office/powerpoint/2010/main" val="1627974151"/>
       </p:ext>
     </p:extLst>
   </p:cSld>
@@ -2470,7 +2470,7 @@
           <p:cNvPr id="2" name="标题 1">
             <a:extLst>
               <a:ext uri="{FF2B5EF4-FFF2-40B4-BE49-F238E27FC236}">
-                <a16:creationId xmlns:a16="http://schemas.microsoft.com/office/drawing/2014/main" id="{37503A40-6C1C-46E3-7C99-C6AE7F22431E}"/>
+                <a16:creationId xmlns:a16="http://schemas.microsoft.com/office/drawing/2014/main" id="{7A6341E1-30EE-5B0A-73AA-32B11CF38697}"/>
               </a:ext>
             </a:extLst>
           </p:cNvPr>
@@ -2507,7 +2507,7 @@
           <p:cNvPr id="3" name="图片占位符 2">
             <a:extLst>
               <a:ext uri="{FF2B5EF4-FFF2-40B4-BE49-F238E27FC236}">
-                <a16:creationId xmlns:a16="http://schemas.microsoft.com/office/drawing/2014/main" id="{C98F2880-3074-C1E4-20A4-DEDBAB4A6894}"/>
+                <a16:creationId xmlns:a16="http://schemas.microsoft.com/office/drawing/2014/main" id="{8ECEDB90-F30A-E3F0-9B31-50CC7D71B8EC}"/>
               </a:ext>
             </a:extLst>
           </p:cNvPr>
@@ -2574,7 +2574,7 @@
           <p:cNvPr id="4" name="文本占位符 3">
             <a:extLst>
               <a:ext uri="{FF2B5EF4-FFF2-40B4-BE49-F238E27FC236}">
-                <a16:creationId xmlns:a16="http://schemas.microsoft.com/office/drawing/2014/main" id="{757FB3B0-38FD-E150-B98E-BF8421B3484F}"/>
+                <a16:creationId xmlns:a16="http://schemas.microsoft.com/office/drawing/2014/main" id="{031BD5E7-D411-0E62-00DB-EA47D3EE23CA}"/>
               </a:ext>
             </a:extLst>
           </p:cNvPr>
@@ -2645,7 +2645,7 @@
           <p:cNvPr id="5" name="日期占位符 4">
             <a:extLst>
               <a:ext uri="{FF2B5EF4-FFF2-40B4-BE49-F238E27FC236}">
-                <a16:creationId xmlns:a16="http://schemas.microsoft.com/office/drawing/2014/main" id="{A679A4FF-833A-0A5A-61E3-691F29CD5E6D}"/>
+                <a16:creationId xmlns:a16="http://schemas.microsoft.com/office/drawing/2014/main" id="{8D7526AC-C13C-31B3-B7A1-98A5BE37D030}"/>
               </a:ext>
             </a:extLst>
           </p:cNvPr>
@@ -2661,7 +2661,7 @@
           <a:bodyPr/>
           <a:lstStyle/>
           <a:p>
-            <a:fld id="{FCBDBE33-4A75-464F-9675-75571D7EE6B8}" type="datetimeFigureOut">
+            <a:fld id="{434166A1-5D48-459F-AF89-79776C4AE821}" type="datetimeFigureOut">
               <a:rPr lang="zh-CN" altLang="en-US" smtClean="0"/>
               <a:t>2024/3/10</a:t>
             </a:fld>
@@ -2674,7 +2674,7 @@
           <p:cNvPr id="6" name="页脚占位符 5">
             <a:extLst>
               <a:ext uri="{FF2B5EF4-FFF2-40B4-BE49-F238E27FC236}">
-                <a16:creationId xmlns:a16="http://schemas.microsoft.com/office/drawing/2014/main" id="{D22076F0-5FB9-4284-E895-16126D29EC25}"/>
+                <a16:creationId xmlns:a16="http://schemas.microsoft.com/office/drawing/2014/main" id="{ECD1AC1F-F9F1-AA1D-464B-44195897DAA0}"/>
               </a:ext>
             </a:extLst>
           </p:cNvPr>
@@ -2699,7 +2699,7 @@
           <p:cNvPr id="7" name="灯片编号占位符 6">
             <a:extLst>
               <a:ext uri="{FF2B5EF4-FFF2-40B4-BE49-F238E27FC236}">
-                <a16:creationId xmlns:a16="http://schemas.microsoft.com/office/drawing/2014/main" id="{5EC6B30D-B403-227B-6AE3-554C2EA4349C}"/>
+                <a16:creationId xmlns:a16="http://schemas.microsoft.com/office/drawing/2014/main" id="{36D87573-E98D-6B6F-EC46-0E1F999BAF3B}"/>
               </a:ext>
             </a:extLst>
           </p:cNvPr>
@@ -2715,7 +2715,7 @@
           <a:bodyPr/>
           <a:lstStyle/>
           <a:p>
-            <a:fld id="{99AC75F2-E6C3-4264-B370-EC04755C7C81}" type="slidenum">
+            <a:fld id="{3C928F56-52F0-41D3-BD30-CCF58305E25D}" type="slidenum">
               <a:rPr lang="zh-CN" altLang="en-US" smtClean="0"/>
               <a:t>‹#›</a:t>
             </a:fld>
@@ -2726,7 +2726,7 @@
     </p:spTree>
     <p:extLst>
       <p:ext uri="{BB962C8B-B14F-4D97-AF65-F5344CB8AC3E}">
-        <p14:creationId xmlns:p14="http://schemas.microsoft.com/office/powerpoint/2010/main" val="2663654547"/>
+        <p14:creationId xmlns:p14="http://schemas.microsoft.com/office/powerpoint/2010/main" val="972836733"/>
       </p:ext>
     </p:extLst>
   </p:cSld>
@@ -2763,7 +2763,7 @@
           <p:cNvPr id="2" name="标题占位符 1">
             <a:extLst>
               <a:ext uri="{FF2B5EF4-FFF2-40B4-BE49-F238E27FC236}">
-                <a16:creationId xmlns:a16="http://schemas.microsoft.com/office/drawing/2014/main" id="{32880478-A154-F4E7-5F9A-6EA9E2F7E4D5}"/>
+                <a16:creationId xmlns:a16="http://schemas.microsoft.com/office/drawing/2014/main" id="{113849C6-44AB-FF24-AE5B-23E4EBB33CAA}"/>
               </a:ext>
             </a:extLst>
           </p:cNvPr>
@@ -2801,7 +2801,7 @@
           <p:cNvPr id="3" name="文本占位符 2">
             <a:extLst>
               <a:ext uri="{FF2B5EF4-FFF2-40B4-BE49-F238E27FC236}">
-                <a16:creationId xmlns:a16="http://schemas.microsoft.com/office/drawing/2014/main" id="{D2991409-ED90-EC65-F486-735FD2F0C233}"/>
+                <a16:creationId xmlns:a16="http://schemas.microsoft.com/office/drawing/2014/main" id="{B37DF177-51EE-C8CD-0E15-A157E8E48D55}"/>
               </a:ext>
             </a:extLst>
           </p:cNvPr>
@@ -2868,7 +2868,7 @@
           <p:cNvPr id="4" name="日期占位符 3">
             <a:extLst>
               <a:ext uri="{FF2B5EF4-FFF2-40B4-BE49-F238E27FC236}">
-                <a16:creationId xmlns:a16="http://schemas.microsoft.com/office/drawing/2014/main" id="{6901C238-1836-D2C9-3F85-DA6F8BCADB1D}"/>
+                <a16:creationId xmlns:a16="http://schemas.microsoft.com/office/drawing/2014/main" id="{902220EA-1C21-5829-B243-06A73CCB5FFC}"/>
               </a:ext>
             </a:extLst>
           </p:cNvPr>
@@ -2902,7 +2902,7 @@
             </a:lvl1pPr>
           </a:lstStyle>
           <a:p>
-            <a:fld id="{FCBDBE33-4A75-464F-9675-75571D7EE6B8}" type="datetimeFigureOut">
+            <a:fld id="{434166A1-5D48-459F-AF89-79776C4AE821}" type="datetimeFigureOut">
               <a:rPr lang="zh-CN" altLang="en-US" smtClean="0"/>
               <a:t>2024/3/10</a:t>
             </a:fld>
@@ -2915,7 +2915,7 @@
           <p:cNvPr id="5" name="页脚占位符 4">
             <a:extLst>
               <a:ext uri="{FF2B5EF4-FFF2-40B4-BE49-F238E27FC236}">
-                <a16:creationId xmlns:a16="http://schemas.microsoft.com/office/drawing/2014/main" id="{53E46745-F0FE-4AD4-388C-3661271A25C3}"/>
+                <a16:creationId xmlns:a16="http://schemas.microsoft.com/office/drawing/2014/main" id="{83C6A734-7E3F-C617-3B36-5DD455326E32}"/>
               </a:ext>
             </a:extLst>
           </p:cNvPr>
@@ -2958,7 +2958,7 @@
           <p:cNvPr id="6" name="灯片编号占位符 5">
             <a:extLst>
               <a:ext uri="{FF2B5EF4-FFF2-40B4-BE49-F238E27FC236}">
-                <a16:creationId xmlns:a16="http://schemas.microsoft.com/office/drawing/2014/main" id="{759EABFD-8086-8607-EB7E-984EA8BB8ECA}"/>
+                <a16:creationId xmlns:a16="http://schemas.microsoft.com/office/drawing/2014/main" id="{B5201B2C-B1D0-AF4F-337B-CC755399B0E9}"/>
               </a:ext>
             </a:extLst>
           </p:cNvPr>
@@ -2992,7 +2992,7 @@
             </a:lvl1pPr>
           </a:lstStyle>
           <a:p>
-            <a:fld id="{99AC75F2-E6C3-4264-B370-EC04755C7C81}" type="slidenum">
+            <a:fld id="{3C928F56-52F0-41D3-BD30-CCF58305E25D}" type="slidenum">
               <a:rPr lang="zh-CN" altLang="en-US" smtClean="0"/>
               <a:t>‹#›</a:t>
             </a:fld>
@@ -3003,7 +3003,7 @@
     </p:spTree>
     <p:extLst>
       <p:ext uri="{BB962C8B-B14F-4D97-AF65-F5344CB8AC3E}">
-        <p14:creationId xmlns:p14="http://schemas.microsoft.com/office/powerpoint/2010/main" val="1915787961"/>
+        <p14:creationId xmlns:p14="http://schemas.microsoft.com/office/powerpoint/2010/main" val="3476818945"/>
       </p:ext>
     </p:extLst>
   </p:cSld>
@@ -3323,7 +3323,7 @@
       </p:grpSpPr>
       <p:pic>
         <p:nvPicPr>
-          <p:cNvPr id="204802" name="Picture 2" descr="199"/>
+          <p:cNvPr id="205826" name="Picture 2" descr="200"/>
           <p:cNvPicPr>
             <a:picLocks noChangeAspect="1" noChangeArrowheads="1"/>
           </p:cNvPicPr>
